--- a/TriJam-Eagles.pptx
+++ b/TriJam-Eagles.pptx
@@ -107,6 +107,11 @@
       </a:defRPr>
     </a:lvl9pPr>
   </p:defaultTextStyle>
+  <p:extLst>
+    <p:ext uri="{EFAFB233-063F-42B5-8137-9DF3F51BA10A}">
+      <p15:sldGuideLst xmlns:p15="http://schemas.microsoft.com/office/powerpoint/2012/main"/>
+    </p:ext>
+  </p:extLst>
 </p:presentation>
 </file>
 
@@ -123,7 +128,7 @@
   <pc:docChgLst>
     <pc:chgData name="Christophe Delestre" userId="54eada58-0037-4680-b731-3380e942135c" providerId="ADAL" clId="{A052D574-E599-4D06-8315-3CE976ED86E6}"/>
     <pc:docChg chg="undo custSel modSld">
-      <pc:chgData name="Christophe Delestre" userId="54eada58-0037-4680-b731-3380e942135c" providerId="ADAL" clId="{A052D574-E599-4D06-8315-3CE976ED86E6}" dt="2024-02-15T15:32:07.073" v="50" actId="108"/>
+      <pc:chgData name="Christophe Delestre" userId="54eada58-0037-4680-b731-3380e942135c" providerId="ADAL" clId="{A052D574-E599-4D06-8315-3CE976ED86E6}" dt="2024-02-15T16:16:40.224" v="183" actId="313"/>
       <pc:docMkLst>
         <pc:docMk/>
       </pc:docMkLst>
@@ -485,7 +490,7 @@
         </pc:graphicFrameChg>
       </pc:sldChg>
       <pc:sldChg chg="addSp modSp mod setBg">
-        <pc:chgData name="Christophe Delestre" userId="54eada58-0037-4680-b731-3380e942135c" providerId="ADAL" clId="{A052D574-E599-4D06-8315-3CE976ED86E6}" dt="2024-02-15T15:32:07.073" v="50" actId="108"/>
+        <pc:chgData name="Christophe Delestre" userId="54eada58-0037-4680-b731-3380e942135c" providerId="ADAL" clId="{A052D574-E599-4D06-8315-3CE976ED86E6}" dt="2024-02-15T16:16:40.224" v="183" actId="313"/>
         <pc:sldMkLst>
           <pc:docMk/>
           <pc:sldMk cId="1378439520" sldId="259"/>
@@ -499,7 +504,7 @@
           </ac:spMkLst>
         </pc:spChg>
         <pc:spChg chg="mod">
-          <ac:chgData name="Christophe Delestre" userId="54eada58-0037-4680-b731-3380e942135c" providerId="ADAL" clId="{A052D574-E599-4D06-8315-3CE976ED86E6}" dt="2024-02-15T15:32:07.073" v="50" actId="108"/>
+          <ac:chgData name="Christophe Delestre" userId="54eada58-0037-4680-b731-3380e942135c" providerId="ADAL" clId="{A052D574-E599-4D06-8315-3CE976ED86E6}" dt="2024-02-15T16:16:40.224" v="183" actId="313"/>
           <ac:spMkLst>
             <pc:docMk/>
             <pc:sldMk cId="1378439520" sldId="259"/>
@@ -17648,23 +17653,21 @@
           <a:lstStyle/>
           <a:p>
             <a:r>
-              <a:rPr lang="fr-CH" sz="4800" dirty="0"/>
+              <a:rPr lang="fr-CH" sz="3200" dirty="0"/>
               <a:t>Manque de temps</a:t>
             </a:r>
           </a:p>
           <a:p>
             <a:r>
-              <a:rPr lang="fr-CH" sz="4800" dirty="0" err="1"/>
-              <a:t>Dddd</a:t>
+              <a:rPr lang="fr-CH" sz="3200" dirty="0"/>
+              <a:t>Un commercial trop ambitieux</a:t>
             </a:r>
-            <a:endParaRPr lang="fr-CH" sz="4800" dirty="0"/>
           </a:p>
           <a:p>
             <a:r>
-              <a:rPr lang="fr-CH" sz="4800" dirty="0" err="1"/>
-              <a:t>ffff</a:t>
+              <a:rPr lang="fr-CH" sz="3200" dirty="0"/>
+              <a:t>Mauvaise estimation de la complexité de sortir un produit «jouable»</a:t>
             </a:r>
-            <a:endParaRPr lang="fr-CH" sz="4800" dirty="0"/>
           </a:p>
           <a:p>
             <a:endParaRPr lang="fr-FR" sz="2000" dirty="0"/>
